--- a/Lectures/Lecture0x1.pptx
+++ b/Lectures/Lecture0x1.pptx
@@ -225,7 +225,7 @@
           <a:p>
             <a:fld id="{FF3D91EB-0D33-406E-BEFA-76BE54F5F6E2}" type="datetimeFigureOut">
               <a:rPr lang="ru-RU" smtClean="0"/>
-              <a:t>17.12.2019</a:t>
+              <a:t>04.04.2020</a:t>
             </a:fld>
             <a:endParaRPr lang="ru-RU"/>
           </a:p>
@@ -708,7 +708,7 @@
           <a:p>
             <a:fld id="{8BB1352F-22AC-4A13-9797-C4E98BA76F2D}" type="datetime1">
               <a:rPr lang="ru-RU" smtClean="0"/>
-              <a:t>17.12.2019</a:t>
+              <a:t>04.04.2020</a:t>
             </a:fld>
             <a:endParaRPr lang="ru-RU"/>
           </a:p>
@@ -878,7 +878,7 @@
           <a:p>
             <a:fld id="{392545DE-0B29-4AB6-9562-80F1676B766F}" type="datetime1">
               <a:rPr lang="ru-RU" smtClean="0"/>
-              <a:t>17.12.2019</a:t>
+              <a:t>04.04.2020</a:t>
             </a:fld>
             <a:endParaRPr lang="ru-RU"/>
           </a:p>
@@ -1058,7 +1058,7 @@
           <a:p>
             <a:fld id="{1C581ED8-309D-43B5-B95C-6E07AB14379B}" type="datetime1">
               <a:rPr lang="ru-RU" smtClean="0"/>
-              <a:t>17.12.2019</a:t>
+              <a:t>04.04.2020</a:t>
             </a:fld>
             <a:endParaRPr lang="ru-RU"/>
           </a:p>
@@ -1228,7 +1228,7 @@
           <a:p>
             <a:fld id="{74EDB58A-057F-4008-8B34-E92DE7CF5F74}" type="datetime1">
               <a:rPr lang="ru-RU" smtClean="0"/>
-              <a:t>17.12.2019</a:t>
+              <a:t>04.04.2020</a:t>
             </a:fld>
             <a:endParaRPr lang="ru-RU"/>
           </a:p>
@@ -1474,7 +1474,7 @@
           <a:p>
             <a:fld id="{A445A4A2-8D6E-410D-A16F-FBE4C2174869}" type="datetime1">
               <a:rPr lang="ru-RU" smtClean="0"/>
-              <a:t>17.12.2019</a:t>
+              <a:t>04.04.2020</a:t>
             </a:fld>
             <a:endParaRPr lang="ru-RU"/>
           </a:p>
@@ -1706,7 +1706,7 @@
           <a:p>
             <a:fld id="{EF757D9A-3075-4161-A3BC-A73D8766A73F}" type="datetime1">
               <a:rPr lang="ru-RU" smtClean="0"/>
-              <a:t>17.12.2019</a:t>
+              <a:t>04.04.2020</a:t>
             </a:fld>
             <a:endParaRPr lang="ru-RU"/>
           </a:p>
@@ -2073,7 +2073,7 @@
           <a:p>
             <a:fld id="{85C18295-C006-409C-B84C-7CDE38A1340A}" type="datetime1">
               <a:rPr lang="ru-RU" smtClean="0"/>
-              <a:t>17.12.2019</a:t>
+              <a:t>04.04.2020</a:t>
             </a:fld>
             <a:endParaRPr lang="ru-RU"/>
           </a:p>
@@ -2191,7 +2191,7 @@
           <a:p>
             <a:fld id="{5AEA382E-1349-439E-B5CA-FA7EAAC747A0}" type="datetime1">
               <a:rPr lang="ru-RU" smtClean="0"/>
-              <a:t>17.12.2019</a:t>
+              <a:t>04.04.2020</a:t>
             </a:fld>
             <a:endParaRPr lang="ru-RU"/>
           </a:p>
@@ -2286,7 +2286,7 @@
           <a:p>
             <a:fld id="{0AFB67D4-898A-4D86-82E2-82FEAB81F442}" type="datetime1">
               <a:rPr lang="ru-RU" smtClean="0"/>
-              <a:t>17.12.2019</a:t>
+              <a:t>04.04.2020</a:t>
             </a:fld>
             <a:endParaRPr lang="ru-RU"/>
           </a:p>
@@ -2563,7 +2563,7 @@
           <a:p>
             <a:fld id="{CF1A0005-809D-4396-9A5E-44BC31BA422B}" type="datetime1">
               <a:rPr lang="ru-RU" smtClean="0"/>
-              <a:t>17.12.2019</a:t>
+              <a:t>04.04.2020</a:t>
             </a:fld>
             <a:endParaRPr lang="ru-RU"/>
           </a:p>
@@ -2820,7 +2820,7 @@
           <a:p>
             <a:fld id="{0BEE5045-24C8-4746-850E-BF5739616ECD}" type="datetime1">
               <a:rPr lang="ru-RU" smtClean="0"/>
-              <a:t>17.12.2019</a:t>
+              <a:t>04.04.2020</a:t>
             </a:fld>
             <a:endParaRPr lang="ru-RU"/>
           </a:p>
@@ -3033,7 +3033,7 @@
           <a:p>
             <a:fld id="{26647D90-92BE-475B-AA88-8A3D8027448A}" type="datetime1">
               <a:rPr lang="ru-RU" smtClean="0"/>
-              <a:t>17.12.2019</a:t>
+              <a:t>04.04.2020</a:t>
             </a:fld>
             <a:endParaRPr lang="ru-RU"/>
           </a:p>
@@ -3461,7 +3461,11 @@
           <a:p>
             <a:r>
               <a:rPr lang="en-US" dirty="0" smtClean="0"/>
-              <a:t>2019</a:t>
+              <a:t>20</a:t>
+            </a:r>
+            <a:r>
+              <a:rPr lang="ru-RU" smtClean="0"/>
+              <a:t>20</a:t>
             </a:r>
             <a:endParaRPr lang="ru-RU" dirty="0"/>
           </a:p>
@@ -3536,7 +3540,9 @@
         </p:nvSpPr>
         <p:spPr/>
         <p:txBody>
-          <a:bodyPr/>
+          <a:bodyPr>
+            <a:normAutofit lnSpcReduction="10000"/>
+          </a:bodyPr>
           <a:lstStyle/>
           <a:p>
             <a:pPr marL="0" indent="0">
@@ -3583,7 +3589,19 @@
             </a:pPr>
             <a:r>
               <a:rPr lang="ru-RU" dirty="0" smtClean="0"/>
-              <a:t>Для понимая угроз и их последствий полезно понять, зачем противнику нужна это информация, и что вы потеряете, перев её.</a:t>
+              <a:t>Для понимая угроз и их последствий полезно понять, зачем противнику нужна это информация, и что вы потеряете</a:t>
+            </a:r>
+            <a:r>
+              <a:rPr lang="ru-RU" smtClean="0"/>
+              <a:t>, </a:t>
+            </a:r>
+            <a:r>
+              <a:rPr lang="ru-RU" smtClean="0"/>
+              <a:t>передав </a:t>
+            </a:r>
+            <a:r>
+              <a:rPr lang="ru-RU" dirty="0" smtClean="0"/>
+              <a:t>её.</a:t>
             </a:r>
             <a:endParaRPr lang="ru-RU" dirty="0"/>
           </a:p>
@@ -3729,16 +3747,9 @@
           <a:p>
             <a:r>
               <a:rPr lang="ru-RU" dirty="0" smtClean="0"/>
-              <a:t>Безусловное доверие </a:t>
-            </a:r>
-            <a:r>
-              <a:rPr lang="ru-RU" dirty="0" err="1" smtClean="0"/>
-              <a:t>государтсву</a:t>
-            </a:r>
-            <a:r>
-              <a:rPr lang="ru-RU" dirty="0"/>
-              <a:t>?</a:t>
-            </a:r>
+              <a:t>Безусловное доверие государству?</a:t>
+            </a:r>
+            <a:endParaRPr lang="ru-RU" dirty="0"/>
           </a:p>
         </p:txBody>
       </p:sp>
@@ -5957,13 +5968,8 @@
           <a:p>
             <a:r>
               <a:rPr lang="ru-RU" dirty="0" smtClean="0"/>
-              <a:t>По возможности переставать пользоваться не жизненно важными сервисами, нарушающими приватность и анонимность. В оставшихся сервисах по максимуму отключить все </a:t>
-            </a:r>
-            <a:r>
-              <a:rPr lang="ru-RU" dirty="0" smtClean="0"/>
-              <a:t>отслеживания.</a:t>
-            </a:r>
-            <a:endParaRPr lang="ru-RU" dirty="0" smtClean="0"/>
+              <a:t>По возможности переставать пользоваться не жизненно важными сервисами, нарушающими приватность и анонимность. В оставшихся сервисах по максимуму отключить все отслеживания.</a:t>
+            </a:r>
           </a:p>
         </p:txBody>
       </p:sp>
